--- a/Information_Chatbot.pptx
+++ b/Information_Chatbot.pptx
@@ -12,24 +12,21 @@
     <p:sldId id="257" r:id="rId6"/>
     <p:sldId id="258" r:id="rId7"/>
     <p:sldId id="265" r:id="rId8"/>
-    <p:sldId id="271" r:id="rId9"/>
-    <p:sldId id="266" r:id="rId10"/>
-    <p:sldId id="267" r:id="rId11"/>
-    <p:sldId id="268" r:id="rId12"/>
-    <p:sldId id="269" r:id="rId13"/>
-    <p:sldId id="272" r:id="rId14"/>
-    <p:sldId id="273" r:id="rId15"/>
-    <p:sldId id="274" r:id="rId16"/>
-    <p:sldId id="275" r:id="rId17"/>
-    <p:sldId id="276" r:id="rId18"/>
-    <p:sldId id="277" r:id="rId19"/>
-    <p:sldId id="278" r:id="rId20"/>
-    <p:sldId id="279" r:id="rId21"/>
-    <p:sldId id="280" r:id="rId22"/>
-    <p:sldId id="281" r:id="rId23"/>
-    <p:sldId id="282" r:id="rId24"/>
-    <p:sldId id="283" r:id="rId25"/>
-    <p:sldId id="264" r:id="rId26"/>
+    <p:sldId id="272" r:id="rId9"/>
+    <p:sldId id="273" r:id="rId10"/>
+    <p:sldId id="274" r:id="rId11"/>
+    <p:sldId id="275" r:id="rId12"/>
+    <p:sldId id="276" r:id="rId13"/>
+    <p:sldId id="277" r:id="rId14"/>
+    <p:sldId id="278" r:id="rId15"/>
+    <p:sldId id="279" r:id="rId16"/>
+    <p:sldId id="280" r:id="rId17"/>
+    <p:sldId id="281" r:id="rId18"/>
+    <p:sldId id="284" r:id="rId19"/>
+    <p:sldId id="283" r:id="rId20"/>
+    <p:sldId id="282" r:id="rId21"/>
+    <p:sldId id="285" r:id="rId22"/>
+    <p:sldId id="264" r:id="rId23"/>
   </p:sldIdLst>
   <p:sldSz cx="12192000" cy="6858000"/>
   <p:notesSz cx="6858000" cy="9144000"/>
@@ -410,7 +407,7 @@
           <a:p>
             <a:fld id="{9F5137E0-F6C2-4ABC-9747-406E79CFF8DD}" type="datetimeFigureOut">
               <a:rPr lang="en-IN" smtClean="0"/>
-              <a:t>23-05-2024</a:t>
+              <a:t>24-05-2024</a:t>
             </a:fld>
             <a:endParaRPr lang="en-IN"/>
           </a:p>
@@ -824,7 +821,7 @@
           <a:p>
             <a:fld id="{9F5137E0-F6C2-4ABC-9747-406E79CFF8DD}" type="datetimeFigureOut">
               <a:rPr lang="en-IN" smtClean="0"/>
-              <a:t>23-05-2024</a:t>
+              <a:t>24-05-2024</a:t>
             </a:fld>
             <a:endParaRPr lang="en-IN"/>
           </a:p>
@@ -1160,7 +1157,7 @@
           <a:p>
             <a:fld id="{9F5137E0-F6C2-4ABC-9747-406E79CFF8DD}" type="datetimeFigureOut">
               <a:rPr lang="en-IN" smtClean="0"/>
-              <a:t>23-05-2024</a:t>
+              <a:t>24-05-2024</a:t>
             </a:fld>
             <a:endParaRPr lang="en-IN"/>
           </a:p>
@@ -1565,7 +1562,7 @@
           <a:p>
             <a:fld id="{9F5137E0-F6C2-4ABC-9747-406E79CFF8DD}" type="datetimeFigureOut">
               <a:rPr lang="en-IN" smtClean="0"/>
-              <a:t>23-05-2024</a:t>
+              <a:t>24-05-2024</a:t>
             </a:fld>
             <a:endParaRPr lang="en-IN"/>
           </a:p>
@@ -2133,7 +2130,7 @@
           <a:p>
             <a:fld id="{9F5137E0-F6C2-4ABC-9747-406E79CFF8DD}" type="datetimeFigureOut">
               <a:rPr lang="en-IN" smtClean="0"/>
-              <a:t>23-05-2024</a:t>
+              <a:t>24-05-2024</a:t>
             </a:fld>
             <a:endParaRPr lang="en-IN"/>
           </a:p>
@@ -2814,7 +2811,7 @@
           <a:p>
             <a:fld id="{9F5137E0-F6C2-4ABC-9747-406E79CFF8DD}" type="datetimeFigureOut">
               <a:rPr lang="en-IN" smtClean="0"/>
-              <a:t>23-05-2024</a:t>
+              <a:t>24-05-2024</a:t>
             </a:fld>
             <a:endParaRPr lang="en-IN"/>
           </a:p>
@@ -3727,7 +3724,7 @@
           <a:p>
             <a:fld id="{9F5137E0-F6C2-4ABC-9747-406E79CFF8DD}" type="datetimeFigureOut">
               <a:rPr lang="en-IN" smtClean="0"/>
-              <a:t>23-05-2024</a:t>
+              <a:t>24-05-2024</a:t>
             </a:fld>
             <a:endParaRPr lang="en-IN"/>
           </a:p>
@@ -4040,7 +4037,7 @@
           <a:p>
             <a:fld id="{9F5137E0-F6C2-4ABC-9747-406E79CFF8DD}" type="datetimeFigureOut">
               <a:rPr lang="en-IN" smtClean="0"/>
-              <a:t>23-05-2024</a:t>
+              <a:t>24-05-2024</a:t>
             </a:fld>
             <a:endParaRPr lang="en-IN"/>
           </a:p>
@@ -4304,7 +4301,7 @@
           <a:p>
             <a:fld id="{9F5137E0-F6C2-4ABC-9747-406E79CFF8DD}" type="datetimeFigureOut">
               <a:rPr lang="en-IN" smtClean="0"/>
-              <a:t>23-05-2024</a:t>
+              <a:t>24-05-2024</a:t>
             </a:fld>
             <a:endParaRPr lang="en-IN"/>
           </a:p>
@@ -4627,7 +4624,7 @@
           <a:p>
             <a:fld id="{9F5137E0-F6C2-4ABC-9747-406E79CFF8DD}" type="datetimeFigureOut">
               <a:rPr lang="en-IN" smtClean="0"/>
-              <a:t>23-05-2024</a:t>
+              <a:t>24-05-2024</a:t>
             </a:fld>
             <a:endParaRPr lang="en-IN"/>
           </a:p>
@@ -5016,7 +5013,7 @@
           <a:p>
             <a:fld id="{9F5137E0-F6C2-4ABC-9747-406E79CFF8DD}" type="datetimeFigureOut">
               <a:rPr lang="en-IN" smtClean="0"/>
-              <a:t>23-05-2024</a:t>
+              <a:t>24-05-2024</a:t>
             </a:fld>
             <a:endParaRPr lang="en-IN"/>
           </a:p>
@@ -5392,7 +5389,7 @@
           <a:p>
             <a:fld id="{9F5137E0-F6C2-4ABC-9747-406E79CFF8DD}" type="datetimeFigureOut">
               <a:rPr lang="en-IN" smtClean="0"/>
-              <a:t>23-05-2024</a:t>
+              <a:t>24-05-2024</a:t>
             </a:fld>
             <a:endParaRPr lang="en-IN"/>
           </a:p>
@@ -5898,7 +5895,7 @@
           <a:p>
             <a:fld id="{9F5137E0-F6C2-4ABC-9747-406E79CFF8DD}" type="datetimeFigureOut">
               <a:rPr lang="en-IN" smtClean="0"/>
-              <a:t>23-05-2024</a:t>
+              <a:t>24-05-2024</a:t>
             </a:fld>
             <a:endParaRPr lang="en-IN"/>
           </a:p>
@@ -6155,7 +6152,7 @@
           <a:p>
             <a:fld id="{9F5137E0-F6C2-4ABC-9747-406E79CFF8DD}" type="datetimeFigureOut">
               <a:rPr lang="en-IN" smtClean="0"/>
-              <a:t>23-05-2024</a:t>
+              <a:t>24-05-2024</a:t>
             </a:fld>
             <a:endParaRPr lang="en-IN"/>
           </a:p>
@@ -6318,7 +6315,7 @@
           <a:p>
             <a:fld id="{9F5137E0-F6C2-4ABC-9747-406E79CFF8DD}" type="datetimeFigureOut">
               <a:rPr lang="en-IN" smtClean="0"/>
-              <a:t>23-05-2024</a:t>
+              <a:t>24-05-2024</a:t>
             </a:fld>
             <a:endParaRPr lang="en-IN"/>
           </a:p>
@@ -6708,7 +6705,7 @@
           <a:p>
             <a:fld id="{9F5137E0-F6C2-4ABC-9747-406E79CFF8DD}" type="datetimeFigureOut">
               <a:rPr lang="en-IN" smtClean="0"/>
-              <a:t>23-05-2024</a:t>
+              <a:t>24-05-2024</a:t>
             </a:fld>
             <a:endParaRPr lang="en-IN"/>
           </a:p>
@@ -7117,7 +7114,7 @@
           <a:p>
             <a:fld id="{9F5137E0-F6C2-4ABC-9747-406E79CFF8DD}" type="datetimeFigureOut">
               <a:rPr lang="en-IN" smtClean="0"/>
-              <a:t>23-05-2024</a:t>
+              <a:t>24-05-2024</a:t>
             </a:fld>
             <a:endParaRPr lang="en-IN"/>
           </a:p>
@@ -7361,7 +7358,7 @@
           <a:p>
             <a:fld id="{9F5137E0-F6C2-4ABC-9747-406E79CFF8DD}" type="datetimeFigureOut">
               <a:rPr lang="en-IN" smtClean="0"/>
-              <a:t>23-05-2024</a:t>
+              <a:t>24-05-2024</a:t>
             </a:fld>
             <a:endParaRPr lang="en-IN"/>
           </a:p>
@@ -7910,7 +7907,7 @@
           <a:p>
             <a:r>
               <a:rPr lang="en-IN" dirty="0" smtClean="0"/>
-              <a:t>Ideation Canvas</a:t>
+              <a:t>About-Us Page</a:t>
             </a:r>
             <a:endParaRPr lang="en-IN" dirty="0"/>
           </a:p>
@@ -7951,7 +7948,7 @@
       </p:sp>
       <p:pic>
         <p:nvPicPr>
-          <p:cNvPr id="7" name="Content Placeholder 6"/>
+          <p:cNvPr id="6" name="Content Placeholder 5"/>
           <p:cNvPicPr>
             <a:picLocks noGrp="1"/>
           </p:cNvPicPr>
@@ -7960,31 +7957,28 @@
           </p:nvPr>
         </p:nvPicPr>
         <p:blipFill>
-          <a:blip r:embed="rId2">
-            <a:extLst>
-              <a:ext uri="{28A0092B-C50C-407E-A947-70E740481C1C}">
-                <a14:useLocalDpi xmlns:a14="http://schemas.microsoft.com/office/drawing/2010/main" val="0"/>
-              </a:ext>
-            </a:extLst>
-          </a:blip>
+          <a:blip r:embed="rId2"/>
           <a:stretch>
             <a:fillRect/>
           </a:stretch>
         </p:blipFill>
         <p:spPr>
           <a:xfrm>
-            <a:off x="2155101" y="2133792"/>
-            <a:ext cx="7402967" cy="4284261"/>
+            <a:off x="1677071" y="2336800"/>
+            <a:ext cx="8864408" cy="3969109"/>
           </a:xfrm>
           <a:prstGeom prst="rect">
             <a:avLst/>
           </a:prstGeom>
+          <a:ln>
+            <a:noFill/>
+          </a:ln>
         </p:spPr>
       </p:pic>
     </p:spTree>
     <p:extLst>
       <p:ext uri="{BB962C8B-B14F-4D97-AF65-F5344CB8AC3E}">
-        <p14:creationId xmlns:p14="http://schemas.microsoft.com/office/powerpoint/2010/main" val="2486517342"/>
+        <p14:creationId xmlns:p14="http://schemas.microsoft.com/office/powerpoint/2010/main" val="3378761433"/>
       </p:ext>
     </p:extLst>
   </p:cSld>
@@ -8034,7 +8028,7 @@
           <a:p>
             <a:r>
               <a:rPr lang="en-IN" dirty="0" smtClean="0"/>
-              <a:t>Empathy Canvas</a:t>
+              <a:t>Services Page</a:t>
             </a:r>
             <a:endParaRPr lang="en-IN" dirty="0"/>
           </a:p>
@@ -8075,7 +8069,7 @@
       </p:sp>
       <p:pic>
         <p:nvPicPr>
-          <p:cNvPr id="7" name="Content Placeholder 6"/>
+          <p:cNvPr id="6" name="Content Placeholder 5"/>
           <p:cNvPicPr>
             <a:picLocks noGrp="1"/>
           </p:cNvPicPr>
@@ -8083,39 +8077,26 @@
             <p:ph idx="1"/>
           </p:nvPr>
         </p:nvPicPr>
-        <p:blipFill rotWithShape="1">
-          <a:blip r:embed="rId2">
-            <a:extLst>
-              <a:ext uri="{28A0092B-C50C-407E-A947-70E740481C1C}">
-                <a14:useLocalDpi xmlns:a14="http://schemas.microsoft.com/office/drawing/2010/main" val="0"/>
-              </a:ext>
-            </a:extLst>
-          </a:blip>
-          <a:srcRect t="8521" b="6233"/>
-          <a:stretch/>
+        <p:blipFill>
+          <a:blip r:embed="rId2"/>
+          <a:stretch>
+            <a:fillRect/>
+          </a:stretch>
         </p:blipFill>
-        <p:spPr bwMode="auto">
-          <a:xfrm>
-            <a:off x="1951667" y="2126827"/>
-            <a:ext cx="7925579" cy="4353975"/>
+        <p:spPr>
+          <a:xfrm>
+            <a:off x="1706574" y="2336800"/>
+            <a:ext cx="8705509" cy="3977736"/>
           </a:xfrm>
           <a:prstGeom prst="rect">
             <a:avLst/>
           </a:prstGeom>
-          <a:ln>
-            <a:noFill/>
-          </a:ln>
-          <a:extLst>
-            <a:ext uri="{53640926-AAD7-44D8-BBD7-CCE9431645EC}">
-              <a14:shadowObscured xmlns:a14="http://schemas.microsoft.com/office/drawing/2010/main"/>
-            </a:ext>
-          </a:extLst>
         </p:spPr>
       </p:pic>
     </p:spTree>
     <p:extLst>
       <p:ext uri="{BB962C8B-B14F-4D97-AF65-F5344CB8AC3E}">
-        <p14:creationId xmlns:p14="http://schemas.microsoft.com/office/powerpoint/2010/main" val="3474761153"/>
+        <p14:creationId xmlns:p14="http://schemas.microsoft.com/office/powerpoint/2010/main" val="3699804495"/>
       </p:ext>
     </p:extLst>
   </p:cSld>
@@ -8165,7 +8146,7 @@
           <a:p>
             <a:r>
               <a:rPr lang="en-IN" dirty="0" smtClean="0"/>
-              <a:t>Product Development Canvas</a:t>
+              <a:t>Login Page</a:t>
             </a:r>
             <a:endParaRPr lang="en-IN" dirty="0"/>
           </a:p>
@@ -8215,21 +8196,15 @@
           </p:nvPr>
         </p:nvPicPr>
         <p:blipFill>
-          <a:blip r:embed="rId2">
-            <a:extLst>
-              <a:ext uri="{28A0092B-C50C-407E-A947-70E740481C1C}">
-                <a14:useLocalDpi xmlns:a14="http://schemas.microsoft.com/office/drawing/2010/main" val="0"/>
-              </a:ext>
-            </a:extLst>
-          </a:blip>
+          <a:blip r:embed="rId2"/>
           <a:stretch>
             <a:fillRect/>
           </a:stretch>
         </p:blipFill>
         <p:spPr>
           <a:xfrm>
-            <a:off x="2179391" y="2135805"/>
-            <a:ext cx="7214775" cy="4336019"/>
+            <a:off x="3015487" y="2336800"/>
+            <a:ext cx="5740324" cy="4141638"/>
           </a:xfrm>
           <a:prstGeom prst="rect">
             <a:avLst/>
@@ -8239,7 +8214,7 @@
     </p:spTree>
     <p:extLst>
       <p:ext uri="{BB962C8B-B14F-4D97-AF65-F5344CB8AC3E}">
-        <p14:creationId xmlns:p14="http://schemas.microsoft.com/office/powerpoint/2010/main" val="4273349745"/>
+        <p14:creationId xmlns:p14="http://schemas.microsoft.com/office/powerpoint/2010/main" val="335621378"/>
       </p:ext>
     </p:extLst>
   </p:cSld>
@@ -8271,7 +8246,7 @@
           <p:cNvPr id="2" name="Title 1">
             <a:extLst>
               <a:ext uri="{FF2B5EF4-FFF2-40B4-BE49-F238E27FC236}">
-                <a16:creationId xmlns:a16="http://schemas.microsoft.com/office/drawing/2014/main" id="{D2C38B9A-7EE7-8A22-CA30-5E10FCB7D88F}"/>
+                <a16:creationId xmlns:a16="http://schemas.microsoft.com/office/drawing/2014/main" id="{DEED0ED9-0C57-23A5-31A7-5245CD8E1A3D}"/>
               </a:ext>
             </a:extLst>
           </p:cNvPr>
@@ -8279,26 +8254,17 @@
             <a:spLocks noGrp="1"/>
           </p:cNvSpPr>
           <p:nvPr>
-            <p:ph type="ctrTitle"/>
-          </p:nvPr>
-        </p:nvSpPr>
-        <p:spPr>
-          <a:xfrm>
-            <a:off x="2794959" y="2872596"/>
-            <a:ext cx="6038124" cy="975392"/>
-          </a:xfrm>
-        </p:spPr>
+            <p:ph type="title"/>
+          </p:nvPr>
+        </p:nvSpPr>
+        <p:spPr/>
         <p:txBody>
           <a:bodyPr/>
           <a:lstStyle/>
           <a:p>
             <a:r>
-              <a:rPr lang="en-US"/>
-              <a:t>IMPLEMENTATION</a:t>
-            </a:r>
-            <a:r>
-              <a:rPr lang="en-IN" smtClean="0"/>
-              <a:t> </a:t>
+              <a:rPr lang="en-IN" dirty="0" smtClean="0"/>
+              <a:t>Signup Page</a:t>
             </a:r>
             <a:endParaRPr lang="en-IN" dirty="0"/>
           </a:p>
@@ -8306,40 +8272,74 @@
       </p:sp>
       <p:sp>
         <p:nvSpPr>
-          <p:cNvPr id="3" name="Subtitle 2">
+          <p:cNvPr id="3" name="TextBox 2">
             <a:extLst>
               <a:ext uri="{FF2B5EF4-FFF2-40B4-BE49-F238E27FC236}">
-                <a16:creationId xmlns:a16="http://schemas.microsoft.com/office/drawing/2014/main" id="{7854D73A-76F5-816B-592E-0A3B0085CB5C}"/>
+                <a16:creationId xmlns:a16="http://schemas.microsoft.com/office/drawing/2014/main" id="{8EE22294-34F0-6AC5-88F6-8F050D83FEE9}"/>
               </a:ext>
             </a:extLst>
           </p:cNvPr>
-          <p:cNvSpPr>
-            <a:spLocks noGrp="1"/>
-          </p:cNvSpPr>
-          <p:nvPr>
-            <p:ph type="subTitle" idx="1"/>
-          </p:nvPr>
-        </p:nvSpPr>
-        <p:spPr>
-          <a:xfrm flipH="1">
-            <a:off x="12309892" y="6717389"/>
-            <a:ext cx="327805" cy="45719"/>
-          </a:xfrm>
-        </p:spPr>
-        <p:txBody>
-          <a:bodyPr>
-            <a:normAutofit fontScale="25000" lnSpcReduction="20000"/>
+          <p:cNvSpPr txBox="1"/>
+          <p:nvPr/>
+        </p:nvSpPr>
+        <p:spPr>
+          <a:xfrm>
+            <a:off x="5184074" y="2475015"/>
+            <a:ext cx="1828800" cy="1828800"/>
+          </a:xfrm>
+          <a:prstGeom prst="rect">
+            <a:avLst/>
+          </a:prstGeom>
+          <a:noFill/>
+        </p:spPr>
+        <p:txBody>
+          <a:bodyPr wrap="square" rtlCol="0">
+            <a:spAutoFit/>
           </a:bodyPr>
           <a:lstStyle/>
           <a:p>
-            <a:endParaRPr lang="en-IN" dirty="0"/>
-          </a:p>
-        </p:txBody>
-      </p:sp>
+            <a:pPr algn="l"/>
+            <a:endParaRPr lang="en-US" dirty="0"/>
+          </a:p>
+        </p:txBody>
+      </p:sp>
+      <p:pic>
+        <p:nvPicPr>
+          <p:cNvPr id="6" name="Content Placeholder 5"/>
+          <p:cNvPicPr>
+            <a:picLocks noGrp="1"/>
+          </p:cNvPicPr>
+          <p:nvPr>
+            <p:ph idx="1"/>
+          </p:nvPr>
+        </p:nvPicPr>
+        <p:blipFill rotWithShape="1">
+          <a:blip r:embed="rId2"/>
+          <a:srcRect l="7803" t="3213" r="10550" b="5616"/>
+          <a:stretch/>
+        </p:blipFill>
+        <p:spPr bwMode="auto">
+          <a:xfrm>
+            <a:off x="3539416" y="2302294"/>
+            <a:ext cx="4440018" cy="4236528"/>
+          </a:xfrm>
+          <a:prstGeom prst="rect">
+            <a:avLst/>
+          </a:prstGeom>
+          <a:ln>
+            <a:noFill/>
+          </a:ln>
+          <a:extLst>
+            <a:ext uri="{53640926-AAD7-44D8-BBD7-CCE9431645EC}">
+              <a14:shadowObscured xmlns:a14="http://schemas.microsoft.com/office/drawing/2010/main"/>
+            </a:ext>
+          </a:extLst>
+        </p:spPr>
+      </p:pic>
     </p:spTree>
     <p:extLst>
       <p:ext uri="{BB962C8B-B14F-4D97-AF65-F5344CB8AC3E}">
-        <p14:creationId xmlns:p14="http://schemas.microsoft.com/office/powerpoint/2010/main" val="2760086945"/>
+        <p14:creationId xmlns:p14="http://schemas.microsoft.com/office/powerpoint/2010/main" val="2664885067"/>
       </p:ext>
     </p:extLst>
   </p:cSld>
@@ -8388,8 +8388,12 @@
           <a:lstStyle/>
           <a:p>
             <a:r>
-              <a:rPr lang="en-IN" dirty="0" smtClean="0"/>
-              <a:t>Home Page</a:t>
+              <a:rPr lang="en-IN" b="1" dirty="0"/>
+              <a:t>Speech Recognition and </a:t>
+            </a:r>
+            <a:r>
+              <a:rPr lang="en-IN" b="1" dirty="0" err="1"/>
+              <a:t>Chatbot</a:t>
             </a:r>
             <a:endParaRPr lang="en-IN" dirty="0"/>
           </a:p>
@@ -8430,7 +8434,7 @@
       </p:sp>
       <p:pic>
         <p:nvPicPr>
-          <p:cNvPr id="7" name="Content Placeholder 6"/>
+          <p:cNvPr id="6" name="Content Placeholder 5"/>
           <p:cNvPicPr>
             <a:picLocks noGrp="1"/>
           </p:cNvPicPr>
@@ -8438,16 +8442,15 @@
             <p:ph idx="1"/>
           </p:nvPr>
         </p:nvPicPr>
-        <p:blipFill>
+        <p:blipFill rotWithShape="1">
           <a:blip r:embed="rId2"/>
-          <a:stretch>
-            <a:fillRect/>
-          </a:stretch>
+          <a:srcRect t="8882" b="3605"/>
+          <a:stretch/>
         </p:blipFill>
-        <p:spPr>
-          <a:xfrm>
-            <a:off x="1216325" y="2303253"/>
-            <a:ext cx="9652958" cy="4054607"/>
+        <p:spPr bwMode="auto">
+          <a:xfrm>
+            <a:off x="1450099" y="2475015"/>
+            <a:ext cx="9470942" cy="3905043"/>
           </a:xfrm>
           <a:prstGeom prst="rect">
             <a:avLst/>
@@ -8455,12 +8458,17 @@
           <a:ln>
             <a:noFill/>
           </a:ln>
+          <a:extLst>
+            <a:ext uri="{53640926-AAD7-44D8-BBD7-CCE9431645EC}">
+              <a14:shadowObscured xmlns:a14="http://schemas.microsoft.com/office/drawing/2010/main"/>
+            </a:ext>
+          </a:extLst>
         </p:spPr>
       </p:pic>
     </p:spTree>
     <p:extLst>
       <p:ext uri="{BB962C8B-B14F-4D97-AF65-F5344CB8AC3E}">
-        <p14:creationId xmlns:p14="http://schemas.microsoft.com/office/powerpoint/2010/main" val="736678008"/>
+        <p14:creationId xmlns:p14="http://schemas.microsoft.com/office/powerpoint/2010/main" val="2926808465"/>
       </p:ext>
     </p:extLst>
   </p:cSld>
@@ -8509,8 +8517,12 @@
           <a:lstStyle/>
           <a:p>
             <a:r>
-              <a:rPr lang="en-IN" dirty="0" smtClean="0"/>
-              <a:t>About-Us Page</a:t>
+              <a:rPr lang="en-IN" b="1" dirty="0"/>
+              <a:t>Showing the </a:t>
+            </a:r>
+            <a:r>
+              <a:rPr lang="en-IN" b="1" dirty="0" err="1"/>
+              <a:t>Chatbot</a:t>
             </a:r>
             <a:endParaRPr lang="en-IN" dirty="0"/>
           </a:p>
@@ -8567,21 +8579,18 @@
         </p:blipFill>
         <p:spPr>
           <a:xfrm>
-            <a:off x="1677071" y="2336800"/>
-            <a:ext cx="8864408" cy="3969109"/>
+            <a:off x="1654328" y="2336800"/>
+            <a:ext cx="9007921" cy="4202023"/>
           </a:xfrm>
           <a:prstGeom prst="rect">
             <a:avLst/>
           </a:prstGeom>
-          <a:ln>
-            <a:noFill/>
-          </a:ln>
         </p:spPr>
       </p:pic>
     </p:spTree>
     <p:extLst>
       <p:ext uri="{BB962C8B-B14F-4D97-AF65-F5344CB8AC3E}">
-        <p14:creationId xmlns:p14="http://schemas.microsoft.com/office/powerpoint/2010/main" val="3378761433"/>
+        <p14:creationId xmlns:p14="http://schemas.microsoft.com/office/powerpoint/2010/main" val="1307156379"/>
       </p:ext>
     </p:extLst>
   </p:cSld>
@@ -8630,8 +8639,16 @@
           <a:lstStyle/>
           <a:p>
             <a:r>
-              <a:rPr lang="en-IN" dirty="0" smtClean="0"/>
-              <a:t>Services Page</a:t>
+              <a:rPr lang="en-IN" b="1" dirty="0" err="1"/>
+              <a:t>Botpress</a:t>
+            </a:r>
+            <a:r>
+              <a:rPr lang="en-IN" b="1" dirty="0"/>
+              <a:t> Studio and Rule-based </a:t>
+            </a:r>
+            <a:r>
+              <a:rPr lang="en-IN" b="1" dirty="0" err="1"/>
+              <a:t>Chatbot</a:t>
             </a:r>
             <a:endParaRPr lang="en-IN" dirty="0"/>
           </a:p>
@@ -8672,7 +8689,7 @@
       </p:sp>
       <p:pic>
         <p:nvPicPr>
-          <p:cNvPr id="6" name="Content Placeholder 5"/>
+          <p:cNvPr id="7" name="Content Placeholder 6"/>
           <p:cNvPicPr>
             <a:picLocks noGrp="1"/>
           </p:cNvPicPr>
@@ -8681,15 +8698,21 @@
           </p:nvPr>
         </p:nvPicPr>
         <p:blipFill>
-          <a:blip r:embed="rId2"/>
+          <a:blip r:embed="rId2" cstate="print">
+            <a:extLst>
+              <a:ext uri="{28A0092B-C50C-407E-A947-70E740481C1C}">
+                <a14:useLocalDpi xmlns:a14="http://schemas.microsoft.com/office/drawing/2010/main" val="0"/>
+              </a:ext>
+            </a:extLst>
+          </a:blip>
           <a:stretch>
             <a:fillRect/>
           </a:stretch>
         </p:blipFill>
         <p:spPr>
           <a:xfrm>
-            <a:off x="1706574" y="2336800"/>
-            <a:ext cx="8705509" cy="3977736"/>
+            <a:off x="1799639" y="2213652"/>
+            <a:ext cx="8494543" cy="4180325"/>
           </a:xfrm>
           <a:prstGeom prst="rect">
             <a:avLst/>
@@ -8699,7 +8722,7 @@
     </p:spTree>
     <p:extLst>
       <p:ext uri="{BB962C8B-B14F-4D97-AF65-F5344CB8AC3E}">
-        <p14:creationId xmlns:p14="http://schemas.microsoft.com/office/powerpoint/2010/main" val="3699804495"/>
+        <p14:creationId xmlns:p14="http://schemas.microsoft.com/office/powerpoint/2010/main" val="1012018038"/>
       </p:ext>
     </p:extLst>
   </p:cSld>
@@ -8748,8 +8771,12 @@
           <a:lstStyle/>
           <a:p>
             <a:r>
-              <a:rPr lang="en-IN" dirty="0" smtClean="0"/>
-              <a:t>Login Page</a:t>
+              <a:rPr lang="en-IN" b="1" dirty="0" smtClean="0"/>
+              <a:t>Knowledge Base in </a:t>
+            </a:r>
+            <a:r>
+              <a:rPr lang="en-IN" b="1" dirty="0" err="1" smtClean="0"/>
+              <a:t>Botpress</a:t>
             </a:r>
             <a:endParaRPr lang="en-IN" dirty="0"/>
           </a:p>
@@ -8790,7 +8817,7 @@
       </p:sp>
       <p:pic>
         <p:nvPicPr>
-          <p:cNvPr id="6" name="Content Placeholder 5"/>
+          <p:cNvPr id="7" name="Content Placeholder 6"/>
           <p:cNvPicPr>
             <a:picLocks noGrp="1"/>
           </p:cNvPicPr>
@@ -8799,15 +8826,21 @@
           </p:nvPr>
         </p:nvPicPr>
         <p:blipFill>
-          <a:blip r:embed="rId2"/>
+          <a:blip r:embed="rId2" cstate="print">
+            <a:extLst>
+              <a:ext uri="{28A0092B-C50C-407E-A947-70E740481C1C}">
+                <a14:useLocalDpi xmlns:a14="http://schemas.microsoft.com/office/drawing/2010/main" val="0"/>
+              </a:ext>
+            </a:extLst>
+          </a:blip>
           <a:stretch>
             <a:fillRect/>
           </a:stretch>
         </p:blipFill>
         <p:spPr>
           <a:xfrm>
-            <a:off x="3015487" y="2336800"/>
-            <a:ext cx="5740324" cy="4141638"/>
+            <a:off x="2035235" y="2216319"/>
+            <a:ext cx="8126477" cy="4374263"/>
           </a:xfrm>
           <a:prstGeom prst="rect">
             <a:avLst/>
@@ -8817,7 +8850,7 @@
     </p:spTree>
     <p:extLst>
       <p:ext uri="{BB962C8B-B14F-4D97-AF65-F5344CB8AC3E}">
-        <p14:creationId xmlns:p14="http://schemas.microsoft.com/office/powerpoint/2010/main" val="335621378"/>
+        <p14:creationId xmlns:p14="http://schemas.microsoft.com/office/powerpoint/2010/main" val="1272090090"/>
       </p:ext>
     </p:extLst>
   </p:cSld>
@@ -8849,7 +8882,7 @@
           <p:cNvPr id="2" name="Title 1">
             <a:extLst>
               <a:ext uri="{FF2B5EF4-FFF2-40B4-BE49-F238E27FC236}">
-                <a16:creationId xmlns:a16="http://schemas.microsoft.com/office/drawing/2014/main" id="{DEED0ED9-0C57-23A5-31A7-5245CD8E1A3D}"/>
+                <a16:creationId xmlns:a16="http://schemas.microsoft.com/office/drawing/2014/main" id="{D2C38B9A-7EE7-8A22-CA30-5E10FCB7D88F}"/>
               </a:ext>
             </a:extLst>
           </p:cNvPr>
@@ -8857,17 +8890,26 @@
             <a:spLocks noGrp="1"/>
           </p:cNvSpPr>
           <p:nvPr>
-            <p:ph type="title"/>
-          </p:nvPr>
-        </p:nvSpPr>
-        <p:spPr/>
+            <p:ph type="ctrTitle"/>
+          </p:nvPr>
+        </p:nvSpPr>
+        <p:spPr>
+          <a:xfrm>
+            <a:off x="1155940" y="2872596"/>
+            <a:ext cx="7677143" cy="975392"/>
+          </a:xfrm>
+        </p:spPr>
         <p:txBody>
           <a:bodyPr/>
           <a:lstStyle/>
           <a:p>
             <a:r>
               <a:rPr lang="en-IN" dirty="0" smtClean="0"/>
-              <a:t>Signup Page</a:t>
+              <a:t>Future Enhancements</a:t>
+            </a:r>
+            <a:r>
+              <a:rPr lang="en-IN" dirty="0" smtClean="0"/>
+              <a:t> </a:t>
             </a:r>
             <a:endParaRPr lang="en-IN" dirty="0"/>
           </a:p>
@@ -8875,74 +8917,40 @@
       </p:sp>
       <p:sp>
         <p:nvSpPr>
-          <p:cNvPr id="3" name="TextBox 2">
+          <p:cNvPr id="3" name="Subtitle 2">
             <a:extLst>
               <a:ext uri="{FF2B5EF4-FFF2-40B4-BE49-F238E27FC236}">
-                <a16:creationId xmlns:a16="http://schemas.microsoft.com/office/drawing/2014/main" id="{8EE22294-34F0-6AC5-88F6-8F050D83FEE9}"/>
+                <a16:creationId xmlns:a16="http://schemas.microsoft.com/office/drawing/2014/main" id="{7854D73A-76F5-816B-592E-0A3B0085CB5C}"/>
               </a:ext>
             </a:extLst>
           </p:cNvPr>
-          <p:cNvSpPr txBox="1"/>
-          <p:nvPr/>
-        </p:nvSpPr>
-        <p:spPr>
-          <a:xfrm>
-            <a:off x="5184074" y="2475015"/>
-            <a:ext cx="1828800" cy="1828800"/>
-          </a:xfrm>
-          <a:prstGeom prst="rect">
-            <a:avLst/>
-          </a:prstGeom>
-          <a:noFill/>
-        </p:spPr>
-        <p:txBody>
-          <a:bodyPr wrap="square" rtlCol="0">
-            <a:spAutoFit/>
+          <p:cNvSpPr>
+            <a:spLocks noGrp="1"/>
+          </p:cNvSpPr>
+          <p:nvPr>
+            <p:ph type="subTitle" idx="1"/>
+          </p:nvPr>
+        </p:nvSpPr>
+        <p:spPr>
+          <a:xfrm flipH="1">
+            <a:off x="12309892" y="6717389"/>
+            <a:ext cx="327805" cy="45719"/>
+          </a:xfrm>
+        </p:spPr>
+        <p:txBody>
+          <a:bodyPr>
+            <a:normAutofit fontScale="25000" lnSpcReduction="20000"/>
           </a:bodyPr>
           <a:lstStyle/>
           <a:p>
-            <a:pPr algn="l"/>
-            <a:endParaRPr lang="en-US" dirty="0"/>
-          </a:p>
-        </p:txBody>
-      </p:sp>
-      <p:pic>
-        <p:nvPicPr>
-          <p:cNvPr id="6" name="Content Placeholder 5"/>
-          <p:cNvPicPr>
-            <a:picLocks noGrp="1"/>
-          </p:cNvPicPr>
-          <p:nvPr>
-            <p:ph idx="1"/>
-          </p:nvPr>
-        </p:nvPicPr>
-        <p:blipFill rotWithShape="1">
-          <a:blip r:embed="rId2"/>
-          <a:srcRect l="7803" t="3213" r="10550" b="5616"/>
-          <a:stretch/>
-        </p:blipFill>
-        <p:spPr bwMode="auto">
-          <a:xfrm>
-            <a:off x="3539416" y="2302294"/>
-            <a:ext cx="4440018" cy="4236528"/>
-          </a:xfrm>
-          <a:prstGeom prst="rect">
-            <a:avLst/>
-          </a:prstGeom>
-          <a:ln>
-            <a:noFill/>
-          </a:ln>
-          <a:extLst>
-            <a:ext uri="{53640926-AAD7-44D8-BBD7-CCE9431645EC}">
-              <a14:shadowObscured xmlns:a14="http://schemas.microsoft.com/office/drawing/2010/main"/>
-            </a:ext>
-          </a:extLst>
-        </p:spPr>
-      </p:pic>
+            <a:endParaRPr lang="en-IN" dirty="0"/>
+          </a:p>
+        </p:txBody>
+      </p:sp>
     </p:spTree>
     <p:extLst>
       <p:ext uri="{BB962C8B-B14F-4D97-AF65-F5344CB8AC3E}">
-        <p14:creationId xmlns:p14="http://schemas.microsoft.com/office/powerpoint/2010/main" val="2664885067"/>
+        <p14:creationId xmlns:p14="http://schemas.microsoft.com/office/powerpoint/2010/main" val="631530193"/>
       </p:ext>
     </p:extLst>
   </p:cSld>
@@ -8991,12 +8999,8 @@
           <a:lstStyle/>
           <a:p>
             <a:r>
-              <a:rPr lang="en-IN" b="1" dirty="0"/>
-              <a:t>Speech Recognition and </a:t>
-            </a:r>
-            <a:r>
-              <a:rPr lang="en-IN" b="1" dirty="0" err="1"/>
-              <a:t>Chatbot</a:t>
+              <a:rPr lang="en-IN" dirty="0"/>
+              <a:t>Future Enhancements </a:t>
             </a:r>
             <a:endParaRPr lang="en-IN" dirty="0"/>
           </a:p>
@@ -9035,43 +9039,82 @@
           </a:p>
         </p:txBody>
       </p:sp>
-      <p:pic>
-        <p:nvPicPr>
-          <p:cNvPr id="6" name="Content Placeholder 5"/>
-          <p:cNvPicPr>
-            <a:picLocks noGrp="1"/>
-          </p:cNvPicPr>
+      <p:sp>
+        <p:nvSpPr>
+          <p:cNvPr id="4" name="Content Placeholder 3"/>
+          <p:cNvSpPr>
+            <a:spLocks noGrp="1"/>
+          </p:cNvSpPr>
           <p:nvPr>
             <p:ph idx="1"/>
           </p:nvPr>
-        </p:nvPicPr>
-        <p:blipFill rotWithShape="1">
-          <a:blip r:embed="rId2"/>
-          <a:srcRect t="8882" b="3605"/>
-          <a:stretch/>
-        </p:blipFill>
-        <p:spPr bwMode="auto">
-          <a:xfrm>
-            <a:off x="1450099" y="2475015"/>
-            <a:ext cx="9470942" cy="3905043"/>
-          </a:xfrm>
-          <a:prstGeom prst="rect">
-            <a:avLst/>
-          </a:prstGeom>
-          <a:ln>
-            <a:noFill/>
-          </a:ln>
-          <a:extLst>
-            <a:ext uri="{53640926-AAD7-44D8-BBD7-CCE9431645EC}">
-              <a14:shadowObscured xmlns:a14="http://schemas.microsoft.com/office/drawing/2010/main"/>
-            </a:ext>
-          </a:extLst>
-        </p:spPr>
-      </p:pic>
+        </p:nvSpPr>
+        <p:spPr>
+          <a:xfrm>
+            <a:off x="680321" y="2336873"/>
+            <a:ext cx="10697921" cy="3599316"/>
+          </a:xfrm>
+        </p:spPr>
+        <p:txBody>
+          <a:bodyPr>
+            <a:normAutofit/>
+          </a:bodyPr>
+          <a:lstStyle/>
+          <a:p>
+            <a:r>
+              <a:rPr lang="en-US" dirty="0"/>
+              <a:t>Enhanced User </a:t>
+            </a:r>
+            <a:r>
+              <a:rPr lang="en-US" dirty="0" smtClean="0"/>
+              <a:t>Experience</a:t>
+            </a:r>
+          </a:p>
+          <a:p>
+            <a:r>
+              <a:rPr lang="en-US" dirty="0" smtClean="0"/>
+              <a:t>Integration </a:t>
+            </a:r>
+            <a:r>
+              <a:rPr lang="en-US" dirty="0"/>
+              <a:t>of Advanced </a:t>
+            </a:r>
+            <a:r>
+              <a:rPr lang="en-US" dirty="0" smtClean="0"/>
+              <a:t>Features</a:t>
+            </a:r>
+          </a:p>
+          <a:p>
+            <a:r>
+              <a:rPr lang="en-US" dirty="0"/>
+              <a:t>Expansion of Data </a:t>
+            </a:r>
+            <a:r>
+              <a:rPr lang="en-US" dirty="0" smtClean="0"/>
+              <a:t>Sources</a:t>
+            </a:r>
+          </a:p>
+          <a:p>
+            <a:r>
+              <a:rPr lang="en-US" dirty="0" smtClean="0"/>
+              <a:t>Integration </a:t>
+            </a:r>
+            <a:r>
+              <a:rPr lang="en-US" dirty="0"/>
+              <a:t>of Speech </a:t>
+            </a:r>
+            <a:r>
+              <a:rPr lang="en-US" dirty="0" smtClean="0"/>
+              <a:t>Recognition</a:t>
+            </a:r>
+            <a:endParaRPr lang="en-US" dirty="0"/>
+          </a:p>
+        </p:txBody>
+      </p:sp>
     </p:spTree>
     <p:extLst>
       <p:ext uri="{BB962C8B-B14F-4D97-AF65-F5344CB8AC3E}">
-        <p14:creationId xmlns:p14="http://schemas.microsoft.com/office/powerpoint/2010/main" val="2926808465"/>
+        <p14:creationId xmlns:p14="http://schemas.microsoft.com/office/powerpoint/2010/main" val="84662147"/>
       </p:ext>
     </p:extLst>
   </p:cSld>
@@ -9253,7 +9296,7 @@
           <p:cNvPr id="2" name="Title 1">
             <a:extLst>
               <a:ext uri="{FF2B5EF4-FFF2-40B4-BE49-F238E27FC236}">
-                <a16:creationId xmlns:a16="http://schemas.microsoft.com/office/drawing/2014/main" id="{DEED0ED9-0C57-23A5-31A7-5245CD8E1A3D}"/>
+                <a16:creationId xmlns:a16="http://schemas.microsoft.com/office/drawing/2014/main" id="{D2C38B9A-7EE7-8A22-CA30-5E10FCB7D88F}"/>
               </a:ext>
             </a:extLst>
           </p:cNvPr>
@@ -9261,21 +9304,26 @@
             <a:spLocks noGrp="1"/>
           </p:cNvSpPr>
           <p:nvPr>
-            <p:ph type="title"/>
-          </p:nvPr>
-        </p:nvSpPr>
-        <p:spPr/>
+            <p:ph type="ctrTitle"/>
+          </p:nvPr>
+        </p:nvSpPr>
+        <p:spPr>
+          <a:xfrm>
+            <a:off x="2794959" y="2872596"/>
+            <a:ext cx="6038124" cy="975392"/>
+          </a:xfrm>
+        </p:spPr>
         <p:txBody>
           <a:bodyPr/>
           <a:lstStyle/>
           <a:p>
             <a:r>
-              <a:rPr lang="en-IN" b="1" dirty="0"/>
-              <a:t>Showing the </a:t>
-            </a:r>
-            <a:r>
-              <a:rPr lang="en-IN" b="1" dirty="0" err="1"/>
-              <a:t>Chatbot</a:t>
+              <a:rPr lang="en-IN" dirty="0"/>
+              <a:t>REFERENCES</a:t>
+            </a:r>
+            <a:r>
+              <a:rPr lang="en-IN" dirty="0" smtClean="0"/>
+              <a:t> </a:t>
             </a:r>
             <a:endParaRPr lang="en-IN" dirty="0"/>
           </a:p>
@@ -9283,67 +9331,40 @@
       </p:sp>
       <p:sp>
         <p:nvSpPr>
-          <p:cNvPr id="3" name="TextBox 2">
+          <p:cNvPr id="3" name="Subtitle 2">
             <a:extLst>
               <a:ext uri="{FF2B5EF4-FFF2-40B4-BE49-F238E27FC236}">
-                <a16:creationId xmlns:a16="http://schemas.microsoft.com/office/drawing/2014/main" id="{8EE22294-34F0-6AC5-88F6-8F050D83FEE9}"/>
+                <a16:creationId xmlns:a16="http://schemas.microsoft.com/office/drawing/2014/main" id="{7854D73A-76F5-816B-592E-0A3B0085CB5C}"/>
               </a:ext>
             </a:extLst>
           </p:cNvPr>
-          <p:cNvSpPr txBox="1"/>
-          <p:nvPr/>
-        </p:nvSpPr>
-        <p:spPr>
-          <a:xfrm>
-            <a:off x="5184074" y="2475015"/>
-            <a:ext cx="1828800" cy="1828800"/>
-          </a:xfrm>
-          <a:prstGeom prst="rect">
-            <a:avLst/>
-          </a:prstGeom>
-          <a:noFill/>
-        </p:spPr>
-        <p:txBody>
-          <a:bodyPr wrap="square" rtlCol="0">
-            <a:spAutoFit/>
+          <p:cNvSpPr>
+            <a:spLocks noGrp="1"/>
+          </p:cNvSpPr>
+          <p:nvPr>
+            <p:ph type="subTitle" idx="1"/>
+          </p:nvPr>
+        </p:nvSpPr>
+        <p:spPr>
+          <a:xfrm flipH="1">
+            <a:off x="12309892" y="6717389"/>
+            <a:ext cx="327805" cy="45719"/>
+          </a:xfrm>
+        </p:spPr>
+        <p:txBody>
+          <a:bodyPr>
+            <a:normAutofit fontScale="25000" lnSpcReduction="20000"/>
           </a:bodyPr>
           <a:lstStyle/>
           <a:p>
-            <a:pPr algn="l"/>
-            <a:endParaRPr lang="en-US" dirty="0"/>
-          </a:p>
-        </p:txBody>
-      </p:sp>
-      <p:pic>
-        <p:nvPicPr>
-          <p:cNvPr id="6" name="Content Placeholder 5"/>
-          <p:cNvPicPr>
-            <a:picLocks noGrp="1"/>
-          </p:cNvPicPr>
-          <p:nvPr>
-            <p:ph idx="1"/>
-          </p:nvPr>
-        </p:nvPicPr>
-        <p:blipFill>
-          <a:blip r:embed="rId2"/>
-          <a:stretch>
-            <a:fillRect/>
-          </a:stretch>
-        </p:blipFill>
-        <p:spPr>
-          <a:xfrm>
-            <a:off x="1654328" y="2336800"/>
-            <a:ext cx="9007921" cy="4202023"/>
-          </a:xfrm>
-          <a:prstGeom prst="rect">
-            <a:avLst/>
-          </a:prstGeom>
-        </p:spPr>
-      </p:pic>
+            <a:endParaRPr lang="en-IN" dirty="0"/>
+          </a:p>
+        </p:txBody>
+      </p:sp>
     </p:spTree>
     <p:extLst>
       <p:ext uri="{BB962C8B-B14F-4D97-AF65-F5344CB8AC3E}">
-        <p14:creationId xmlns:p14="http://schemas.microsoft.com/office/powerpoint/2010/main" val="1307156379"/>
+        <p14:creationId xmlns:p14="http://schemas.microsoft.com/office/powerpoint/2010/main" val="2420303820"/>
       </p:ext>
     </p:extLst>
   </p:cSld>
@@ -9392,18 +9413,9 @@
           <a:lstStyle/>
           <a:p>
             <a:r>
-              <a:rPr lang="en-IN" b="1" dirty="0" err="1"/>
-              <a:t>Botpress</a:t>
-            </a:r>
-            <a:r>
-              <a:rPr lang="en-IN" b="1" dirty="0"/>
-              <a:t> Studio and Rule-based </a:t>
-            </a:r>
-            <a:r>
-              <a:rPr lang="en-IN" b="1" dirty="0" err="1"/>
-              <a:t>Chatbot</a:t>
-            </a:r>
-            <a:endParaRPr lang="en-IN" dirty="0"/>
+              <a:rPr lang="en-IN" dirty="0"/>
+              <a:t>REFERENCES</a:t>
+            </a:r>
           </a:p>
         </p:txBody>
       </p:sp>
@@ -9440,42 +9452,82 @@
           </a:p>
         </p:txBody>
       </p:sp>
-      <p:pic>
-        <p:nvPicPr>
-          <p:cNvPr id="7" name="Content Placeholder 6"/>
-          <p:cNvPicPr>
-            <a:picLocks noGrp="1"/>
-          </p:cNvPicPr>
+      <p:sp>
+        <p:nvSpPr>
+          <p:cNvPr id="4" name="Content Placeholder 3"/>
+          <p:cNvSpPr>
+            <a:spLocks noGrp="1"/>
+          </p:cNvSpPr>
           <p:nvPr>
             <p:ph idx="1"/>
           </p:nvPr>
-        </p:nvPicPr>
-        <p:blipFill>
-          <a:blip r:embed="rId2" cstate="print">
-            <a:extLst>
-              <a:ext uri="{28A0092B-C50C-407E-A947-70E740481C1C}">
-                <a14:useLocalDpi xmlns:a14="http://schemas.microsoft.com/office/drawing/2010/main" val="0"/>
-              </a:ext>
-            </a:extLst>
-          </a:blip>
-          <a:stretch>
-            <a:fillRect/>
-          </a:stretch>
-        </p:blipFill>
-        <p:spPr>
-          <a:xfrm>
-            <a:off x="1799639" y="2213652"/>
-            <a:ext cx="8494543" cy="4180325"/>
-          </a:xfrm>
-          <a:prstGeom prst="rect">
-            <a:avLst/>
-          </a:prstGeom>
-        </p:spPr>
-      </p:pic>
+        </p:nvSpPr>
+        <p:spPr>
+          <a:xfrm>
+            <a:off x="680321" y="2336873"/>
+            <a:ext cx="10697921" cy="3599316"/>
+          </a:xfrm>
+        </p:spPr>
+        <p:txBody>
+          <a:bodyPr>
+            <a:normAutofit/>
+          </a:bodyPr>
+          <a:lstStyle/>
+          <a:p>
+            <a:r>
+              <a:rPr lang="en-IN" b="1" dirty="0"/>
+              <a:t>Websites:</a:t>
+            </a:r>
+            <a:endParaRPr lang="en-US" dirty="0"/>
+          </a:p>
+          <a:p>
+            <a:pPr lvl="1"/>
+            <a:r>
+              <a:rPr lang="en-IN" u="sng" dirty="0" smtClean="0"/>
+              <a:t>https</a:t>
+            </a:r>
+            <a:r>
+              <a:rPr lang="en-IN" u="sng" dirty="0"/>
+              <a:t>://www.geeksforgeeks.org/connect-flask-to-a-database-with-flask-sqlalchemy/</a:t>
+            </a:r>
+            <a:endParaRPr lang="en-US" dirty="0"/>
+          </a:p>
+          <a:p>
+            <a:pPr lvl="1"/>
+            <a:r>
+              <a:rPr lang="en-IN" u="sng" dirty="0"/>
+              <a:t>https://</a:t>
+            </a:r>
+            <a:r>
+              <a:rPr lang="en-IN" u="sng" dirty="0" smtClean="0"/>
+              <a:t>botpress.com/docs/</a:t>
+            </a:r>
+          </a:p>
+          <a:p>
+            <a:pPr lvl="1"/>
+            <a:r>
+              <a:rPr lang="en-IN" u="sng" dirty="0" smtClean="0"/>
+              <a:t>https</a:t>
+            </a:r>
+            <a:r>
+              <a:rPr lang="en-IN" u="sng" dirty="0"/>
+              <a:t>://</a:t>
+            </a:r>
+            <a:r>
+              <a:rPr lang="en-IN" u="sng" dirty="0" smtClean="0"/>
+              <a:t>www.youtube.com/playlist?list=PLlJHGGklthGlUVZlNhG5I0ZK8u1h6UfZ9</a:t>
+            </a:r>
+            <a:endParaRPr lang="en-US" dirty="0"/>
+          </a:p>
+          <a:p>
+            <a:endParaRPr lang="en-US" dirty="0"/>
+          </a:p>
+        </p:txBody>
+      </p:sp>
     </p:spTree>
     <p:extLst>
       <p:ext uri="{BB962C8B-B14F-4D97-AF65-F5344CB8AC3E}">
-        <p14:creationId xmlns:p14="http://schemas.microsoft.com/office/powerpoint/2010/main" val="1012018038"/>
+        <p14:creationId xmlns:p14="http://schemas.microsoft.com/office/powerpoint/2010/main" val="413071845"/>
       </p:ext>
     </p:extLst>
   </p:cSld>
@@ -9486,425 +9538,6 @@
 </file>
 
 <file path=ppt/slides/slide22.xml><?xml version="1.0" encoding="utf-8"?>
-<p:sld xmlns:a="http://schemas.openxmlformats.org/drawingml/2006/main" xmlns:r="http://schemas.openxmlformats.org/officeDocument/2006/relationships" xmlns:p="http://schemas.openxmlformats.org/presentationml/2006/main">
-  <p:cSld>
-    <p:spTree>
-      <p:nvGrpSpPr>
-        <p:cNvPr id="1" name=""/>
-        <p:cNvGrpSpPr/>
-        <p:nvPr/>
-      </p:nvGrpSpPr>
-      <p:grpSpPr>
-        <a:xfrm>
-          <a:off x="0" y="0"/>
-          <a:ext cx="0" cy="0"/>
-          <a:chOff x="0" y="0"/>
-          <a:chExt cx="0" cy="0"/>
-        </a:xfrm>
-      </p:grpSpPr>
-      <p:sp>
-        <p:nvSpPr>
-          <p:cNvPr id="2" name="Title 1">
-            <a:extLst>
-              <a:ext uri="{FF2B5EF4-FFF2-40B4-BE49-F238E27FC236}">
-                <a16:creationId xmlns:a16="http://schemas.microsoft.com/office/drawing/2014/main" id="{DEED0ED9-0C57-23A5-31A7-5245CD8E1A3D}"/>
-              </a:ext>
-            </a:extLst>
-          </p:cNvPr>
-          <p:cNvSpPr>
-            <a:spLocks noGrp="1"/>
-          </p:cNvSpPr>
-          <p:nvPr>
-            <p:ph type="title"/>
-          </p:nvPr>
-        </p:nvSpPr>
-        <p:spPr/>
-        <p:txBody>
-          <a:bodyPr/>
-          <a:lstStyle/>
-          <a:p>
-            <a:r>
-              <a:rPr lang="en-IN" b="1" dirty="0" smtClean="0"/>
-              <a:t>Knowledge Base in </a:t>
-            </a:r>
-            <a:r>
-              <a:rPr lang="en-IN" b="1" dirty="0" err="1" smtClean="0"/>
-              <a:t>Botpress</a:t>
-            </a:r>
-            <a:endParaRPr lang="en-IN" dirty="0"/>
-          </a:p>
-        </p:txBody>
-      </p:sp>
-      <p:sp>
-        <p:nvSpPr>
-          <p:cNvPr id="3" name="TextBox 2">
-            <a:extLst>
-              <a:ext uri="{FF2B5EF4-FFF2-40B4-BE49-F238E27FC236}">
-                <a16:creationId xmlns:a16="http://schemas.microsoft.com/office/drawing/2014/main" id="{8EE22294-34F0-6AC5-88F6-8F050D83FEE9}"/>
-              </a:ext>
-            </a:extLst>
-          </p:cNvPr>
-          <p:cNvSpPr txBox="1"/>
-          <p:nvPr/>
-        </p:nvSpPr>
-        <p:spPr>
-          <a:xfrm>
-            <a:off x="5184074" y="2475015"/>
-            <a:ext cx="1828800" cy="1828800"/>
-          </a:xfrm>
-          <a:prstGeom prst="rect">
-            <a:avLst/>
-          </a:prstGeom>
-          <a:noFill/>
-        </p:spPr>
-        <p:txBody>
-          <a:bodyPr wrap="square" rtlCol="0">
-            <a:spAutoFit/>
-          </a:bodyPr>
-          <a:lstStyle/>
-          <a:p>
-            <a:pPr algn="l"/>
-            <a:endParaRPr lang="en-US" dirty="0"/>
-          </a:p>
-        </p:txBody>
-      </p:sp>
-      <p:pic>
-        <p:nvPicPr>
-          <p:cNvPr id="7" name="Content Placeholder 6"/>
-          <p:cNvPicPr>
-            <a:picLocks noGrp="1"/>
-          </p:cNvPicPr>
-          <p:nvPr>
-            <p:ph idx="1"/>
-          </p:nvPr>
-        </p:nvPicPr>
-        <p:blipFill>
-          <a:blip r:embed="rId2" cstate="print">
-            <a:extLst>
-              <a:ext uri="{28A0092B-C50C-407E-A947-70E740481C1C}">
-                <a14:useLocalDpi xmlns:a14="http://schemas.microsoft.com/office/drawing/2010/main" val="0"/>
-              </a:ext>
-            </a:extLst>
-          </a:blip>
-          <a:stretch>
-            <a:fillRect/>
-          </a:stretch>
-        </p:blipFill>
-        <p:spPr>
-          <a:xfrm>
-            <a:off x="2035235" y="2216319"/>
-            <a:ext cx="8126477" cy="4374263"/>
-          </a:xfrm>
-          <a:prstGeom prst="rect">
-            <a:avLst/>
-          </a:prstGeom>
-        </p:spPr>
-      </p:pic>
-    </p:spTree>
-    <p:extLst>
-      <p:ext uri="{BB962C8B-B14F-4D97-AF65-F5344CB8AC3E}">
-        <p14:creationId xmlns:p14="http://schemas.microsoft.com/office/powerpoint/2010/main" val="1272090090"/>
-      </p:ext>
-    </p:extLst>
-  </p:cSld>
-  <p:clrMapOvr>
-    <a:masterClrMapping/>
-  </p:clrMapOvr>
-</p:sld>
-</file>
-
-<file path=ppt/slides/slide23.xml><?xml version="1.0" encoding="utf-8"?>
-<p:sld xmlns:a="http://schemas.openxmlformats.org/drawingml/2006/main" xmlns:r="http://schemas.openxmlformats.org/officeDocument/2006/relationships" xmlns:p="http://schemas.openxmlformats.org/presentationml/2006/main">
-  <p:cSld>
-    <p:spTree>
-      <p:nvGrpSpPr>
-        <p:cNvPr id="1" name=""/>
-        <p:cNvGrpSpPr/>
-        <p:nvPr/>
-      </p:nvGrpSpPr>
-      <p:grpSpPr>
-        <a:xfrm>
-          <a:off x="0" y="0"/>
-          <a:ext cx="0" cy="0"/>
-          <a:chOff x="0" y="0"/>
-          <a:chExt cx="0" cy="0"/>
-        </a:xfrm>
-      </p:grpSpPr>
-      <p:sp>
-        <p:nvSpPr>
-          <p:cNvPr id="2" name="Title 1">
-            <a:extLst>
-              <a:ext uri="{FF2B5EF4-FFF2-40B4-BE49-F238E27FC236}">
-                <a16:creationId xmlns:a16="http://schemas.microsoft.com/office/drawing/2014/main" id="{D2C38B9A-7EE7-8A22-CA30-5E10FCB7D88F}"/>
-              </a:ext>
-            </a:extLst>
-          </p:cNvPr>
-          <p:cNvSpPr>
-            <a:spLocks noGrp="1"/>
-          </p:cNvSpPr>
-          <p:nvPr>
-            <p:ph type="ctrTitle"/>
-          </p:nvPr>
-        </p:nvSpPr>
-        <p:spPr>
-          <a:xfrm>
-            <a:off x="2794959" y="2872596"/>
-            <a:ext cx="6038124" cy="975392"/>
-          </a:xfrm>
-        </p:spPr>
-        <p:txBody>
-          <a:bodyPr/>
-          <a:lstStyle/>
-          <a:p>
-            <a:r>
-              <a:rPr lang="en-IN" dirty="0"/>
-              <a:t>REFERENCES</a:t>
-            </a:r>
-            <a:r>
-              <a:rPr lang="en-IN" dirty="0" smtClean="0"/>
-              <a:t> </a:t>
-            </a:r>
-            <a:endParaRPr lang="en-IN" dirty="0"/>
-          </a:p>
-        </p:txBody>
-      </p:sp>
-      <p:sp>
-        <p:nvSpPr>
-          <p:cNvPr id="3" name="Subtitle 2">
-            <a:extLst>
-              <a:ext uri="{FF2B5EF4-FFF2-40B4-BE49-F238E27FC236}">
-                <a16:creationId xmlns:a16="http://schemas.microsoft.com/office/drawing/2014/main" id="{7854D73A-76F5-816B-592E-0A3B0085CB5C}"/>
-              </a:ext>
-            </a:extLst>
-          </p:cNvPr>
-          <p:cNvSpPr>
-            <a:spLocks noGrp="1"/>
-          </p:cNvSpPr>
-          <p:nvPr>
-            <p:ph type="subTitle" idx="1"/>
-          </p:nvPr>
-        </p:nvSpPr>
-        <p:spPr>
-          <a:xfrm flipH="1">
-            <a:off x="12309892" y="6717389"/>
-            <a:ext cx="327805" cy="45719"/>
-          </a:xfrm>
-        </p:spPr>
-        <p:txBody>
-          <a:bodyPr>
-            <a:normAutofit fontScale="25000" lnSpcReduction="20000"/>
-          </a:bodyPr>
-          <a:lstStyle/>
-          <a:p>
-            <a:endParaRPr lang="en-IN" dirty="0"/>
-          </a:p>
-        </p:txBody>
-      </p:sp>
-    </p:spTree>
-    <p:extLst>
-      <p:ext uri="{BB962C8B-B14F-4D97-AF65-F5344CB8AC3E}">
-        <p14:creationId xmlns:p14="http://schemas.microsoft.com/office/powerpoint/2010/main" val="2420303820"/>
-      </p:ext>
-    </p:extLst>
-  </p:cSld>
-  <p:clrMapOvr>
-    <a:masterClrMapping/>
-  </p:clrMapOvr>
-</p:sld>
-</file>
-
-<file path=ppt/slides/slide24.xml><?xml version="1.0" encoding="utf-8"?>
-<p:sld xmlns:a="http://schemas.openxmlformats.org/drawingml/2006/main" xmlns:r="http://schemas.openxmlformats.org/officeDocument/2006/relationships" xmlns:p="http://schemas.openxmlformats.org/presentationml/2006/main">
-  <p:cSld>
-    <p:spTree>
-      <p:nvGrpSpPr>
-        <p:cNvPr id="1" name=""/>
-        <p:cNvGrpSpPr/>
-        <p:nvPr/>
-      </p:nvGrpSpPr>
-      <p:grpSpPr>
-        <a:xfrm>
-          <a:off x="0" y="0"/>
-          <a:ext cx="0" cy="0"/>
-          <a:chOff x="0" y="0"/>
-          <a:chExt cx="0" cy="0"/>
-        </a:xfrm>
-      </p:grpSpPr>
-      <p:sp>
-        <p:nvSpPr>
-          <p:cNvPr id="2" name="Title 1">
-            <a:extLst>
-              <a:ext uri="{FF2B5EF4-FFF2-40B4-BE49-F238E27FC236}">
-                <a16:creationId xmlns:a16="http://schemas.microsoft.com/office/drawing/2014/main" id="{DEED0ED9-0C57-23A5-31A7-5245CD8E1A3D}"/>
-              </a:ext>
-            </a:extLst>
-          </p:cNvPr>
-          <p:cNvSpPr>
-            <a:spLocks noGrp="1"/>
-          </p:cNvSpPr>
-          <p:nvPr>
-            <p:ph type="title"/>
-          </p:nvPr>
-        </p:nvSpPr>
-        <p:spPr/>
-        <p:txBody>
-          <a:bodyPr/>
-          <a:lstStyle/>
-          <a:p>
-            <a:r>
-              <a:rPr lang="en-IN" dirty="0"/>
-              <a:t>REFERENCES</a:t>
-            </a:r>
-            <a:endParaRPr lang="en-IN" dirty="0"/>
-          </a:p>
-        </p:txBody>
-      </p:sp>
-      <p:sp>
-        <p:nvSpPr>
-          <p:cNvPr id="3" name="TextBox 2">
-            <a:extLst>
-              <a:ext uri="{FF2B5EF4-FFF2-40B4-BE49-F238E27FC236}">
-                <a16:creationId xmlns:a16="http://schemas.microsoft.com/office/drawing/2014/main" id="{8EE22294-34F0-6AC5-88F6-8F050D83FEE9}"/>
-              </a:ext>
-            </a:extLst>
-          </p:cNvPr>
-          <p:cNvSpPr txBox="1"/>
-          <p:nvPr/>
-        </p:nvSpPr>
-        <p:spPr>
-          <a:xfrm>
-            <a:off x="5184074" y="2475015"/>
-            <a:ext cx="1828800" cy="1828800"/>
-          </a:xfrm>
-          <a:prstGeom prst="rect">
-            <a:avLst/>
-          </a:prstGeom>
-          <a:noFill/>
-        </p:spPr>
-        <p:txBody>
-          <a:bodyPr wrap="square" rtlCol="0">
-            <a:spAutoFit/>
-          </a:bodyPr>
-          <a:lstStyle/>
-          <a:p>
-            <a:pPr algn="l"/>
-            <a:endParaRPr lang="en-US" dirty="0"/>
-          </a:p>
-        </p:txBody>
-      </p:sp>
-      <p:sp>
-        <p:nvSpPr>
-          <p:cNvPr id="4" name="Content Placeholder 3"/>
-          <p:cNvSpPr>
-            <a:spLocks noGrp="1"/>
-          </p:cNvSpPr>
-          <p:nvPr>
-            <p:ph idx="1"/>
-          </p:nvPr>
-        </p:nvSpPr>
-        <p:spPr>
-          <a:xfrm>
-            <a:off x="680321" y="2336873"/>
-            <a:ext cx="10697921" cy="3599316"/>
-          </a:xfrm>
-        </p:spPr>
-        <p:txBody>
-          <a:bodyPr>
-            <a:normAutofit/>
-          </a:bodyPr>
-          <a:lstStyle/>
-          <a:p>
-            <a:r>
-              <a:rPr lang="en-IN" b="1" dirty="0"/>
-              <a:t>Websites:</a:t>
-            </a:r>
-            <a:endParaRPr lang="en-US" dirty="0"/>
-          </a:p>
-          <a:p>
-            <a:pPr lvl="1"/>
-            <a:r>
-              <a:rPr lang="en-IN" u="sng" smtClean="0"/>
-              <a:t>https</a:t>
-            </a:r>
-            <a:r>
-              <a:rPr lang="en-IN" u="sng"/>
-              <a:t>://www.geeksforgeeks.org/connect-flask-to-a-database-with-flask-sqlalchemy/</a:t>
-            </a:r>
-            <a:endParaRPr lang="en-US"/>
-          </a:p>
-          <a:p>
-            <a:pPr lvl="1"/>
-            <a:r>
-              <a:rPr lang="en-IN" u="sng"/>
-              <a:t>https://</a:t>
-            </a:r>
-            <a:r>
-              <a:rPr lang="en-IN" u="sng"/>
-              <a:t>botpress.com/docs</a:t>
-            </a:r>
-            <a:r>
-              <a:rPr lang="en-IN" u="sng" smtClean="0"/>
-              <a:t>/</a:t>
-            </a:r>
-            <a:endParaRPr lang="en-US"/>
-          </a:p>
-          <a:p>
-            <a:r>
-              <a:rPr lang="en-IN" b="1"/>
-              <a:t>Youtube Video Links:</a:t>
-            </a:r>
-            <a:endParaRPr lang="en-US"/>
-          </a:p>
-          <a:p>
-            <a:pPr lvl="1"/>
-            <a:r>
-              <a:rPr lang="en-IN" u="sng" smtClean="0"/>
-              <a:t>https</a:t>
-            </a:r>
-            <a:r>
-              <a:rPr lang="en-IN" u="sng"/>
-              <a:t>://</a:t>
-            </a:r>
-            <a:r>
-              <a:rPr lang="en-IN" u="sng" smtClean="0"/>
-              <a:t>www.youtube.com/playlist?list=PLlJHGGklthGlUVZlNhG5I0ZK8u1h6UfZ9</a:t>
-            </a:r>
-            <a:endParaRPr lang="en-US" dirty="0"/>
-          </a:p>
-          <a:p>
-            <a:r>
-              <a:rPr lang="en-IN" b="1" dirty="0"/>
-              <a:t>Entire implementation code for project is available in the following link: </a:t>
-            </a:r>
-            <a:endParaRPr lang="en-US"/>
-          </a:p>
-          <a:p>
-            <a:pPr lvl="1"/>
-            <a:r>
-              <a:rPr lang="en-IN" u="sng"/>
-              <a:t>https://github.com/meetm2003/ChatBot</a:t>
-            </a:r>
-            <a:endParaRPr lang="en-US"/>
-          </a:p>
-          <a:p>
-            <a:endParaRPr lang="en-US" dirty="0"/>
-          </a:p>
-        </p:txBody>
-      </p:sp>
-    </p:spTree>
-    <p:extLst>
-      <p:ext uri="{BB962C8B-B14F-4D97-AF65-F5344CB8AC3E}">
-        <p14:creationId xmlns:p14="http://schemas.microsoft.com/office/powerpoint/2010/main" val="84662147"/>
-      </p:ext>
-    </p:extLst>
-  </p:cSld>
-  <p:clrMapOvr>
-    <a:masterClrMapping/>
-  </p:clrMapOvr>
-</p:sld>
-</file>
-
-<file path=ppt/slides/slide25.xml><?xml version="1.0" encoding="utf-8"?>
 <p:sld xmlns:a="http://schemas.openxmlformats.org/drawingml/2006/main" xmlns:r="http://schemas.openxmlformats.org/officeDocument/2006/relationships" xmlns:p="http://schemas.openxmlformats.org/presentationml/2006/main">
   <p:cSld>
     <p:spTree>
@@ -10564,8 +10197,8 @@
         </p:nvSpPr>
         <p:spPr>
           <a:xfrm>
-            <a:off x="3441939" y="2872596"/>
-            <a:ext cx="5391143" cy="975392"/>
+            <a:off x="2794959" y="2872596"/>
+            <a:ext cx="6038124" cy="975392"/>
           </a:xfrm>
         </p:spPr>
         <p:txBody>
@@ -10574,7 +10207,7 @@
           <a:p>
             <a:r>
               <a:rPr lang="en-US"/>
-              <a:t>CANVASES</a:t>
+              <a:t>IMPLEMENTATION</a:t>
             </a:r>
             <a:r>
               <a:rPr lang="en-IN" smtClean="0"/>
@@ -10619,7 +10252,7 @@
     </p:spTree>
     <p:extLst>
       <p:ext uri="{BB962C8B-B14F-4D97-AF65-F5344CB8AC3E}">
-        <p14:creationId xmlns:p14="http://schemas.microsoft.com/office/powerpoint/2010/main" val="3187324822"/>
+        <p14:creationId xmlns:p14="http://schemas.microsoft.com/office/powerpoint/2010/main" val="2760086945"/>
       </p:ext>
     </p:extLst>
   </p:cSld>
@@ -10668,9 +10301,10 @@
           <a:lstStyle/>
           <a:p>
             <a:r>
-              <a:rPr lang="en-IN" dirty="0"/>
-              <a:t>AEIOU Framework</a:t>
-            </a:r>
+              <a:rPr lang="en-IN" dirty="0" smtClean="0"/>
+              <a:t>Home Page</a:t>
+            </a:r>
+            <a:endParaRPr lang="en-IN" dirty="0"/>
           </a:p>
         </p:txBody>
       </p:sp>
@@ -10709,37 +10343,37 @@
       </p:sp>
       <p:pic>
         <p:nvPicPr>
-          <p:cNvPr id="6" name="Content Placeholder 5"/>
+          <p:cNvPr id="7" name="Content Placeholder 6"/>
           <p:cNvPicPr>
-            <a:picLocks noGrp="1" noChangeAspect="1"/>
+            <a:picLocks noGrp="1"/>
           </p:cNvPicPr>
           <p:nvPr>
             <p:ph idx="1"/>
           </p:nvPr>
         </p:nvPicPr>
         <p:blipFill>
-          <a:blip r:embed="rId2">
-            <a:extLst>
-              <a:ext uri="{28A0092B-C50C-407E-A947-70E740481C1C}">
-                <a14:useLocalDpi xmlns:a14="http://schemas.microsoft.com/office/drawing/2010/main" val="0"/>
-              </a:ext>
-            </a:extLst>
-          </a:blip>
+          <a:blip r:embed="rId2"/>
           <a:stretch>
             <a:fillRect/>
           </a:stretch>
         </p:blipFill>
         <p:spPr>
           <a:xfrm>
-            <a:off x="2251182" y="2198678"/>
-            <a:ext cx="7401776" cy="4227525"/>
-          </a:xfrm>
+            <a:off x="1216325" y="2303253"/>
+            <a:ext cx="9652958" cy="4054607"/>
+          </a:xfrm>
+          <a:prstGeom prst="rect">
+            <a:avLst/>
+          </a:prstGeom>
+          <a:ln>
+            <a:noFill/>
+          </a:ln>
         </p:spPr>
       </p:pic>
     </p:spTree>
     <p:extLst>
       <p:ext uri="{BB962C8B-B14F-4D97-AF65-F5344CB8AC3E}">
-        <p14:creationId xmlns:p14="http://schemas.microsoft.com/office/powerpoint/2010/main" val="3064313959"/>
+        <p14:creationId xmlns:p14="http://schemas.microsoft.com/office/powerpoint/2010/main" val="736678008"/>
       </p:ext>
     </p:extLst>
   </p:cSld>
